--- a/discussion.pptx
+++ b/discussion.pptx
@@ -9,6 +9,8 @@
     <p:sldId id="258" r:id="rId6"/>
     <p:sldId id="259" r:id="rId7"/>
     <p:sldId id="257" r:id="rId8"/>
+    <p:sldId id="261" r:id="rId9"/>
+    <p:sldId id="260" r:id="rId10"/>
   </p:sldIdLst>
   <p:sldSz cx="12192000" cy="6858000"/>
   <p:notesSz cx="6858000" cy="9144000"/>
@@ -107,6 +109,11 @@
       </a:defRPr>
     </a:lvl9pPr>
   </p:defaultTextStyle>
+  <p:extLst>
+    <p:ext uri="{EFAFB233-063F-42B5-8137-9DF3F51BA10A}">
+      <p15:sldGuideLst xmlns:p15="http://schemas.microsoft.com/office/powerpoint/2012/main"/>
+    </p:ext>
+  </p:extLst>
 </p:presentation>
 </file>
 
@@ -257,7 +264,7 @@
           <a:p>
             <a:fld id="{FDDCBBC6-2C39-4D90-B73C-3BC6048CB8F9}" type="datetimeFigureOut">
               <a:rPr lang="en-US" smtClean="0"/>
-              <a:t>05/20/22</a:t>
+              <a:t>5/27/22</a:t>
             </a:fld>
             <a:endParaRPr lang="en-US"/>
           </a:p>
@@ -455,7 +462,7 @@
           <a:p>
             <a:fld id="{FDDCBBC6-2C39-4D90-B73C-3BC6048CB8F9}" type="datetimeFigureOut">
               <a:rPr lang="en-US" smtClean="0"/>
-              <a:t>05/20/22</a:t>
+              <a:t>5/27/22</a:t>
             </a:fld>
             <a:endParaRPr lang="en-US"/>
           </a:p>
@@ -663,7 +670,7 @@
           <a:p>
             <a:fld id="{FDDCBBC6-2C39-4D90-B73C-3BC6048CB8F9}" type="datetimeFigureOut">
               <a:rPr lang="en-US" smtClean="0"/>
-              <a:t>05/20/22</a:t>
+              <a:t>5/27/22</a:t>
             </a:fld>
             <a:endParaRPr lang="en-US"/>
           </a:p>
@@ -861,7 +868,7 @@
           <a:p>
             <a:fld id="{FDDCBBC6-2C39-4D90-B73C-3BC6048CB8F9}" type="datetimeFigureOut">
               <a:rPr lang="en-US" smtClean="0"/>
-              <a:t>05/20/22</a:t>
+              <a:t>5/27/22</a:t>
             </a:fld>
             <a:endParaRPr lang="en-US"/>
           </a:p>
@@ -1136,7 +1143,7 @@
           <a:p>
             <a:fld id="{FDDCBBC6-2C39-4D90-B73C-3BC6048CB8F9}" type="datetimeFigureOut">
               <a:rPr lang="en-US" smtClean="0"/>
-              <a:t>05/20/22</a:t>
+              <a:t>5/27/22</a:t>
             </a:fld>
             <a:endParaRPr lang="en-US"/>
           </a:p>
@@ -1401,7 +1408,7 @@
           <a:p>
             <a:fld id="{FDDCBBC6-2C39-4D90-B73C-3BC6048CB8F9}" type="datetimeFigureOut">
               <a:rPr lang="en-US" smtClean="0"/>
-              <a:t>05/20/22</a:t>
+              <a:t>5/27/22</a:t>
             </a:fld>
             <a:endParaRPr lang="en-US"/>
           </a:p>
@@ -1813,7 +1820,7 @@
           <a:p>
             <a:fld id="{FDDCBBC6-2C39-4D90-B73C-3BC6048CB8F9}" type="datetimeFigureOut">
               <a:rPr lang="en-US" smtClean="0"/>
-              <a:t>05/20/22</a:t>
+              <a:t>5/27/22</a:t>
             </a:fld>
             <a:endParaRPr lang="en-US"/>
           </a:p>
@@ -1954,7 +1961,7 @@
           <a:p>
             <a:fld id="{FDDCBBC6-2C39-4D90-B73C-3BC6048CB8F9}" type="datetimeFigureOut">
               <a:rPr lang="en-US" smtClean="0"/>
-              <a:t>05/20/22</a:t>
+              <a:t>5/27/22</a:t>
             </a:fld>
             <a:endParaRPr lang="en-US"/>
           </a:p>
@@ -2067,7 +2074,7 @@
           <a:p>
             <a:fld id="{FDDCBBC6-2C39-4D90-B73C-3BC6048CB8F9}" type="datetimeFigureOut">
               <a:rPr lang="en-US" smtClean="0"/>
-              <a:t>05/20/22</a:t>
+              <a:t>5/27/22</a:t>
             </a:fld>
             <a:endParaRPr lang="en-US"/>
           </a:p>
@@ -2378,7 +2385,7 @@
           <a:p>
             <a:fld id="{FDDCBBC6-2C39-4D90-B73C-3BC6048CB8F9}" type="datetimeFigureOut">
               <a:rPr lang="en-US" smtClean="0"/>
-              <a:t>05/20/22</a:t>
+              <a:t>5/27/22</a:t>
             </a:fld>
             <a:endParaRPr lang="en-US"/>
           </a:p>
@@ -2666,7 +2673,7 @@
           <a:p>
             <a:fld id="{FDDCBBC6-2C39-4D90-B73C-3BC6048CB8F9}" type="datetimeFigureOut">
               <a:rPr lang="en-US" smtClean="0"/>
-              <a:t>05/20/22</a:t>
+              <a:t>5/27/22</a:t>
             </a:fld>
             <a:endParaRPr lang="en-US"/>
           </a:p>
@@ -2907,7 +2914,7 @@
           <a:p>
             <a:fld id="{FDDCBBC6-2C39-4D90-B73C-3BC6048CB8F9}" type="datetimeFigureOut">
               <a:rPr lang="en-US" smtClean="0"/>
-              <a:t>05/20/22</a:t>
+              <a:t>5/27/22</a:t>
             </a:fld>
             <a:endParaRPr lang="en-US"/>
           </a:p>
@@ -5248,6 +5255,988 @@
 </p:sld>
 </file>
 
+<file path=ppt/slides/slide5.xml><?xml version="1.0" encoding="utf-8"?>
+<p:sld xmlns:a="http://schemas.openxmlformats.org/drawingml/2006/main" xmlns:r="http://schemas.openxmlformats.org/officeDocument/2006/relationships" xmlns:p="http://schemas.openxmlformats.org/presentationml/2006/main">
+  <p:cSld>
+    <p:spTree>
+      <p:nvGrpSpPr>
+        <p:cNvPr id="1" name=""/>
+        <p:cNvGrpSpPr/>
+        <p:nvPr/>
+      </p:nvGrpSpPr>
+      <p:grpSpPr>
+        <a:xfrm>
+          <a:off x="0" y="0"/>
+          <a:ext cx="0" cy="0"/>
+          <a:chOff x="0" y="0"/>
+          <a:chExt cx="0" cy="0"/>
+        </a:xfrm>
+      </p:grpSpPr>
+      <p:sp>
+        <p:nvSpPr>
+          <p:cNvPr id="2" name="Title 1">
+            <a:extLst>
+              <a:ext uri="{FF2B5EF4-FFF2-40B4-BE49-F238E27FC236}">
+                <a16:creationId xmlns:a16="http://schemas.microsoft.com/office/drawing/2014/main" id="{90956635-E412-15BC-B272-BC53BE85F66A}"/>
+              </a:ext>
+            </a:extLst>
+          </p:cNvPr>
+          <p:cNvSpPr>
+            <a:spLocks noGrp="1"/>
+          </p:cNvSpPr>
+          <p:nvPr>
+            <p:ph type="title"/>
+          </p:nvPr>
+        </p:nvSpPr>
+        <p:spPr/>
+        <p:txBody>
+          <a:bodyPr/>
+          <a:lstStyle/>
+          <a:p>
+            <a:endParaRPr lang="en-US"/>
+          </a:p>
+        </p:txBody>
+      </p:sp>
+      <p:sp>
+        <p:nvSpPr>
+          <p:cNvPr id="3" name="Content Placeholder 2">
+            <a:extLst>
+              <a:ext uri="{FF2B5EF4-FFF2-40B4-BE49-F238E27FC236}">
+                <a16:creationId xmlns:a16="http://schemas.microsoft.com/office/drawing/2014/main" id="{538D854A-BBE6-5B3E-703E-51F666F8E534}"/>
+              </a:ext>
+            </a:extLst>
+          </p:cNvPr>
+          <p:cNvSpPr>
+            <a:spLocks noGrp="1"/>
+          </p:cNvSpPr>
+          <p:nvPr>
+            <p:ph idx="1"/>
+          </p:nvPr>
+        </p:nvSpPr>
+        <p:spPr/>
+        <p:txBody>
+          <a:bodyPr>
+            <a:normAutofit fontScale="62500" lnSpcReduction="20000"/>
+          </a:bodyPr>
+          <a:lstStyle/>
+          <a:p>
+            <a:r>
+              <a:rPr lang="en-US" dirty="0"/>
+              <a:t>ICASSP model</a:t>
+            </a:r>
+          </a:p>
+          <a:p>
+            <a:pPr lvl="1"/>
+            <a:r>
+              <a:rPr lang="en-US" dirty="0"/>
+              <a:t>81.29%</a:t>
+            </a:r>
+          </a:p>
+          <a:p>
+            <a:pPr lvl="1"/>
+            <a:r>
+              <a:rPr lang="en-US" dirty="0"/>
+              <a:t>32x32x46 </a:t>
+            </a:r>
+          </a:p>
+          <a:p>
+            <a:r>
+              <a:rPr lang="en-US" dirty="0"/>
+              <a:t>Model before change to explanation</a:t>
+            </a:r>
+          </a:p>
+          <a:p>
+            <a:pPr lvl="1"/>
+            <a:r>
+              <a:rPr lang="en-US" dirty="0"/>
+              <a:t>84.xx%</a:t>
+            </a:r>
+          </a:p>
+          <a:p>
+            <a:pPr lvl="1"/>
+            <a:r>
+              <a:rPr lang="en-US" dirty="0"/>
+              <a:t>32x32x46</a:t>
+            </a:r>
+          </a:p>
+          <a:p>
+            <a:r>
+              <a:rPr lang="en-US" dirty="0"/>
+              <a:t>Untested model before change</a:t>
+            </a:r>
+          </a:p>
+          <a:p>
+            <a:pPr lvl="1"/>
+            <a:r>
+              <a:rPr lang="en-US" dirty="0"/>
+              <a:t>Accuracy ?</a:t>
+            </a:r>
+          </a:p>
+          <a:p>
+            <a:pPr lvl="1"/>
+            <a:r>
+              <a:rPr lang="en-US" dirty="0">
+                <a:highlight>
+                  <a:srgbClr val="FFFF00"/>
+                </a:highlight>
+              </a:rPr>
+              <a:t>46x1024x1 </a:t>
+            </a:r>
+          </a:p>
+          <a:p>
+            <a:pPr lvl="1"/>
+            <a:r>
+              <a:rPr lang="en-US" dirty="0">
+                <a:highlight>
+                  <a:srgbClr val="FFFF00"/>
+                </a:highlight>
+              </a:rPr>
+              <a:t>46 x 1 x 1024 ?   </a:t>
+            </a:r>
+            <a:r>
+              <a:rPr lang="en-US" dirty="0">
+                <a:highlight>
+                  <a:srgbClr val="FFFF00"/>
+                </a:highlight>
+                <a:sym typeface="Wingdings" pitchFamily="2" charset="2"/>
+              </a:rPr>
+              <a:t> 46x46 x 1024. (original model)  still reduce the size of image.</a:t>
+            </a:r>
+            <a:endParaRPr lang="en-US" dirty="0">
+              <a:highlight>
+                <a:srgbClr val="FFFF00"/>
+              </a:highlight>
+            </a:endParaRPr>
+          </a:p>
+          <a:p>
+            <a:pPr lvl="1"/>
+            <a:r>
+              <a:rPr lang="en-US" dirty="0"/>
+              <a:t>46 x Time x 1024?</a:t>
+            </a:r>
+          </a:p>
+          <a:p>
+            <a:pPr lvl="1"/>
+            <a:endParaRPr lang="en-US" dirty="0"/>
+          </a:p>
+          <a:p>
+            <a:r>
+              <a:rPr lang="en-US" dirty="0"/>
+              <a:t>Model After changes</a:t>
+            </a:r>
+          </a:p>
+          <a:p>
+            <a:pPr lvl="1"/>
+            <a:r>
+              <a:rPr lang="en-US" dirty="0"/>
+              <a:t>67%</a:t>
+            </a:r>
+          </a:p>
+          <a:p>
+            <a:pPr lvl="1"/>
+            <a:r>
+              <a:rPr lang="en-US" dirty="0"/>
+              <a:t>46x1024x1</a:t>
+            </a:r>
+          </a:p>
+          <a:p>
+            <a:pPr lvl="1"/>
+            <a:r>
+              <a:rPr lang="en-US" dirty="0"/>
+              <a:t>Keep dimension 46 for explanation  (change values for average pool layer, stride values, and padding values)</a:t>
+            </a:r>
+          </a:p>
+          <a:p>
+            <a:pPr lvl="1"/>
+            <a:r>
+              <a:rPr lang="en-US" dirty="0"/>
+              <a:t>Classifier layers changes</a:t>
+            </a:r>
+          </a:p>
+          <a:p>
+            <a:pPr lvl="1"/>
+            <a:endParaRPr lang="en-US" dirty="0"/>
+          </a:p>
+          <a:p>
+            <a:pPr lvl="1"/>
+            <a:endParaRPr lang="en-US" dirty="0"/>
+          </a:p>
+          <a:p>
+            <a:endParaRPr lang="en-US" dirty="0"/>
+          </a:p>
+        </p:txBody>
+      </p:sp>
+    </p:spTree>
+    <p:extLst>
+      <p:ext uri="{BB962C8B-B14F-4D97-AF65-F5344CB8AC3E}">
+        <p14:creationId xmlns:p14="http://schemas.microsoft.com/office/powerpoint/2010/main" val="4117212708"/>
+      </p:ext>
+    </p:extLst>
+  </p:cSld>
+  <p:clrMapOvr>
+    <a:masterClrMapping/>
+  </p:clrMapOvr>
+</p:sld>
+</file>
+
+<file path=ppt/slides/slide6.xml><?xml version="1.0" encoding="utf-8"?>
+<p:sld xmlns:a="http://schemas.openxmlformats.org/drawingml/2006/main" xmlns:r="http://schemas.openxmlformats.org/officeDocument/2006/relationships" xmlns:p="http://schemas.openxmlformats.org/presentationml/2006/main">
+  <p:cSld>
+    <p:bg>
+      <p:bgPr>
+        <a:solidFill>
+          <a:schemeClr val="bg1"/>
+        </a:solidFill>
+        <a:effectLst/>
+      </p:bgPr>
+    </p:bg>
+    <p:spTree>
+      <p:nvGrpSpPr>
+        <p:cNvPr id="1" name=""/>
+        <p:cNvGrpSpPr/>
+        <p:nvPr/>
+      </p:nvGrpSpPr>
+      <p:grpSpPr>
+        <a:xfrm>
+          <a:off x="0" y="0"/>
+          <a:ext cx="0" cy="0"/>
+          <a:chOff x="0" y="0"/>
+          <a:chExt cx="0" cy="0"/>
+        </a:xfrm>
+      </p:grpSpPr>
+      <p:sp>
+        <p:nvSpPr>
+          <p:cNvPr id="10" name="Rectangle 9">
+            <a:extLst>
+              <a:ext uri="{FF2B5EF4-FFF2-40B4-BE49-F238E27FC236}">
+                <a16:creationId xmlns:a16="http://schemas.microsoft.com/office/drawing/2014/main" id="{F3060C83-F051-4F0E-ABAD-AA0DFC48B218}"/>
+              </a:ext>
+              <a:ext uri="{C183D7F6-B498-43B3-948B-1728B52AA6E4}">
+                <adec:decorative xmlns:adec="http://schemas.microsoft.com/office/drawing/2017/decorative" val="1"/>
+              </a:ext>
+            </a:extLst>
+          </p:cNvPr>
+          <p:cNvSpPr>
+            <a:spLocks noGrp="1" noRot="1" noChangeAspect="1" noMove="1" noResize="1" noEditPoints="1" noAdjustHandles="1" noChangeArrowheads="1" noChangeShapeType="1" noTextEdit="1"/>
+          </p:cNvSpPr>
+          <p:nvPr>
+            <p:extLst>
+              <p:ext uri="{386F3935-93C4-4BCD-93E2-E3B085C9AB24}">
+                <p16:designElem xmlns:p16="http://schemas.microsoft.com/office/powerpoint/2015/main" val="1"/>
+              </p:ext>
+            </p:extLst>
+          </p:nvPr>
+        </p:nvSpPr>
+        <p:spPr>
+          <a:xfrm>
+            <a:off x="0" y="0"/>
+            <a:ext cx="12192000" cy="6858000"/>
+          </a:xfrm>
+          <a:prstGeom prst="rect">
+            <a:avLst/>
+          </a:prstGeom>
+          <a:solidFill>
+            <a:schemeClr val="bg1"/>
+          </a:solidFill>
+          <a:ln>
+            <a:noFill/>
+          </a:ln>
+        </p:spPr>
+        <p:style>
+          <a:lnRef idx="2">
+            <a:schemeClr val="accent1">
+              <a:shade val="50000"/>
+            </a:schemeClr>
+          </a:lnRef>
+          <a:fillRef idx="1">
+            <a:schemeClr val="accent1"/>
+          </a:fillRef>
+          <a:effectRef idx="0">
+            <a:schemeClr val="accent1"/>
+          </a:effectRef>
+          <a:fontRef idx="minor">
+            <a:schemeClr val="lt1"/>
+          </a:fontRef>
+        </p:style>
+        <p:txBody>
+          <a:bodyPr rtlCol="0" anchor="ctr"/>
+          <a:lstStyle/>
+          <a:p>
+            <a:pPr algn="ctr"/>
+            <a:endParaRPr lang="en-US" dirty="0"/>
+          </a:p>
+        </p:txBody>
+      </p:sp>
+      <p:sp>
+        <p:nvSpPr>
+          <p:cNvPr id="12" name="Freeform: Shape 11">
+            <a:extLst>
+              <a:ext uri="{FF2B5EF4-FFF2-40B4-BE49-F238E27FC236}">
+                <a16:creationId xmlns:a16="http://schemas.microsoft.com/office/drawing/2014/main" id="{83C98ABE-055B-441F-B07E-44F97F083C39}"/>
+              </a:ext>
+              <a:ext uri="{C183D7F6-B498-43B3-948B-1728B52AA6E4}">
+                <adec:decorative xmlns:adec="http://schemas.microsoft.com/office/drawing/2017/decorative" val="1"/>
+              </a:ext>
+            </a:extLst>
+          </p:cNvPr>
+          <p:cNvSpPr>
+            <a:spLocks noGrp="1" noRot="1" noChangeAspect="1" noMove="1" noResize="1" noEditPoints="1" noAdjustHandles="1" noChangeArrowheads="1" noChangeShapeType="1" noTextEdit="1"/>
+          </p:cNvSpPr>
+          <p:nvPr>
+            <p:extLst>
+              <p:ext uri="{386F3935-93C4-4BCD-93E2-E3B085C9AB24}">
+                <p16:designElem xmlns:p16="http://schemas.microsoft.com/office/powerpoint/2015/main" val="1"/>
+              </p:ext>
+            </p:extLst>
+          </p:nvPr>
+        </p:nvSpPr>
+        <p:spPr>
+          <a:xfrm rot="18900000" flipH="1">
+            <a:off x="-376156" y="-253670"/>
+            <a:ext cx="1827638" cy="1376989"/>
+          </a:xfrm>
+          <a:custGeom>
+            <a:avLst/>
+            <a:gdLst>
+              <a:gd name="connsiteX0" fmla="*/ 0 w 1827638"/>
+              <a:gd name="connsiteY0" fmla="*/ 987379 h 1376989"/>
+              <a:gd name="connsiteX1" fmla="*/ 987379 w 1827638"/>
+              <a:gd name="connsiteY1" fmla="*/ 0 h 1376989"/>
+              <a:gd name="connsiteX2" fmla="*/ 1827638 w 1827638"/>
+              <a:gd name="connsiteY2" fmla="*/ 840260 h 1376989"/>
+              <a:gd name="connsiteX3" fmla="*/ 1827638 w 1827638"/>
+              <a:gd name="connsiteY3" fmla="*/ 1376989 h 1376989"/>
+              <a:gd name="connsiteX4" fmla="*/ 0 w 1827638"/>
+              <a:gd name="connsiteY4" fmla="*/ 1376989 h 1376989"/>
+            </a:gdLst>
+            <a:ahLst/>
+            <a:cxnLst>
+              <a:cxn ang="0">
+                <a:pos x="connsiteX0" y="connsiteY0"/>
+              </a:cxn>
+              <a:cxn ang="0">
+                <a:pos x="connsiteX1" y="connsiteY1"/>
+              </a:cxn>
+              <a:cxn ang="0">
+                <a:pos x="connsiteX2" y="connsiteY2"/>
+              </a:cxn>
+              <a:cxn ang="0">
+                <a:pos x="connsiteX3" y="connsiteY3"/>
+              </a:cxn>
+              <a:cxn ang="0">
+                <a:pos x="connsiteX4" y="connsiteY4"/>
+              </a:cxn>
+            </a:cxnLst>
+            <a:rect l="l" t="t" r="r" b="b"/>
+            <a:pathLst>
+              <a:path w="1827638" h="1376989">
+                <a:moveTo>
+                  <a:pt x="0" y="987379"/>
+                </a:moveTo>
+                <a:lnTo>
+                  <a:pt x="987379" y="0"/>
+                </a:lnTo>
+                <a:lnTo>
+                  <a:pt x="1827638" y="840260"/>
+                </a:lnTo>
+                <a:lnTo>
+                  <a:pt x="1827638" y="1376989"/>
+                </a:lnTo>
+                <a:lnTo>
+                  <a:pt x="0" y="1376989"/>
+                </a:lnTo>
+                <a:close/>
+              </a:path>
+            </a:pathLst>
+          </a:custGeom>
+          <a:solidFill>
+            <a:schemeClr val="accent1">
+              <a:alpha val="30000"/>
+            </a:schemeClr>
+          </a:solidFill>
+          <a:ln>
+            <a:noFill/>
+          </a:ln>
+        </p:spPr>
+        <p:style>
+          <a:lnRef idx="2">
+            <a:schemeClr val="accent1">
+              <a:shade val="50000"/>
+            </a:schemeClr>
+          </a:lnRef>
+          <a:fillRef idx="1">
+            <a:schemeClr val="accent1"/>
+          </a:fillRef>
+          <a:effectRef idx="0">
+            <a:schemeClr val="accent1"/>
+          </a:effectRef>
+          <a:fontRef idx="minor">
+            <a:schemeClr val="lt1"/>
+          </a:fontRef>
+        </p:style>
+        <p:txBody>
+          <a:bodyPr rtlCol="0" anchor="ctr"/>
+          <a:lstStyle/>
+          <a:p>
+            <a:pPr algn="ctr"/>
+            <a:endParaRPr lang="en-US" dirty="0"/>
+          </a:p>
+        </p:txBody>
+      </p:sp>
+      <p:sp>
+        <p:nvSpPr>
+          <p:cNvPr id="14" name="Rectangle 13">
+            <a:extLst>
+              <a:ext uri="{FF2B5EF4-FFF2-40B4-BE49-F238E27FC236}">
+                <a16:creationId xmlns:a16="http://schemas.microsoft.com/office/drawing/2014/main" id="{29FDB030-9B49-4CED-8CCD-4D99382388AC}"/>
+              </a:ext>
+              <a:ext uri="{C183D7F6-B498-43B3-948B-1728B52AA6E4}">
+                <adec:decorative xmlns:adec="http://schemas.microsoft.com/office/drawing/2017/decorative" val="1"/>
+              </a:ext>
+            </a:extLst>
+          </p:cNvPr>
+          <p:cNvSpPr>
+            <a:spLocks noGrp="1" noRot="1" noChangeAspect="1" noMove="1" noResize="1" noEditPoints="1" noAdjustHandles="1" noChangeArrowheads="1" noChangeShapeType="1" noTextEdit="1"/>
+          </p:cNvSpPr>
+          <p:nvPr>
+            <p:extLst>
+              <p:ext uri="{386F3935-93C4-4BCD-93E2-E3B085C9AB24}">
+                <p16:designElem xmlns:p16="http://schemas.microsoft.com/office/powerpoint/2015/main" val="1"/>
+              </p:ext>
+            </p:extLst>
+          </p:nvPr>
+        </p:nvSpPr>
+        <p:spPr>
+          <a:xfrm rot="18900000" flipH="1">
+            <a:off x="891641" y="422146"/>
+            <a:ext cx="645368" cy="645368"/>
+          </a:xfrm>
+          <a:prstGeom prst="rect">
+            <a:avLst/>
+          </a:prstGeom>
+          <a:solidFill>
+            <a:schemeClr val="accent1">
+              <a:alpha val="30000"/>
+            </a:schemeClr>
+          </a:solidFill>
+          <a:ln>
+            <a:noFill/>
+          </a:ln>
+        </p:spPr>
+        <p:style>
+          <a:lnRef idx="2">
+            <a:schemeClr val="accent1">
+              <a:shade val="50000"/>
+            </a:schemeClr>
+          </a:lnRef>
+          <a:fillRef idx="1">
+            <a:schemeClr val="accent1"/>
+          </a:fillRef>
+          <a:effectRef idx="0">
+            <a:schemeClr val="accent1"/>
+          </a:effectRef>
+          <a:fontRef idx="minor">
+            <a:schemeClr val="lt1"/>
+          </a:fontRef>
+        </p:style>
+        <p:txBody>
+          <a:bodyPr rtlCol="0" anchor="ctr"/>
+          <a:lstStyle/>
+          <a:p>
+            <a:pPr algn="ctr"/>
+            <a:endParaRPr lang="en-US"/>
+          </a:p>
+        </p:txBody>
+      </p:sp>
+      <p:sp>
+        <p:nvSpPr>
+          <p:cNvPr id="16" name="Rectangle 15">
+            <a:extLst>
+              <a:ext uri="{FF2B5EF4-FFF2-40B4-BE49-F238E27FC236}">
+                <a16:creationId xmlns:a16="http://schemas.microsoft.com/office/drawing/2014/main" id="{3783CA14-24A1-485C-8B30-D6A5D87987AD}"/>
+              </a:ext>
+              <a:ext uri="{C183D7F6-B498-43B3-948B-1728B52AA6E4}">
+                <adec:decorative xmlns:adec="http://schemas.microsoft.com/office/drawing/2017/decorative" val="1"/>
+              </a:ext>
+            </a:extLst>
+          </p:cNvPr>
+          <p:cNvSpPr>
+            <a:spLocks noGrp="1" noRot="1" noChangeAspect="1" noMove="1" noResize="1" noEditPoints="1" noAdjustHandles="1" noChangeArrowheads="1" noChangeShapeType="1" noTextEdit="1"/>
+          </p:cNvSpPr>
+          <p:nvPr>
+            <p:extLst>
+              <p:ext uri="{386F3935-93C4-4BCD-93E2-E3B085C9AB24}">
+                <p16:designElem xmlns:p16="http://schemas.microsoft.com/office/powerpoint/2015/main" val="1"/>
+              </p:ext>
+            </p:extLst>
+          </p:nvPr>
+        </p:nvSpPr>
+        <p:spPr>
+          <a:xfrm rot="18900000" flipH="1">
+            <a:off x="10043482" y="655140"/>
+            <a:ext cx="687472" cy="687472"/>
+          </a:xfrm>
+          <a:prstGeom prst="rect">
+            <a:avLst/>
+          </a:prstGeom>
+          <a:solidFill>
+            <a:schemeClr val="accent4">
+              <a:alpha val="30000"/>
+            </a:schemeClr>
+          </a:solidFill>
+          <a:ln>
+            <a:noFill/>
+          </a:ln>
+        </p:spPr>
+        <p:style>
+          <a:lnRef idx="2">
+            <a:schemeClr val="accent1">
+              <a:shade val="50000"/>
+            </a:schemeClr>
+          </a:lnRef>
+          <a:fillRef idx="1">
+            <a:schemeClr val="accent1"/>
+          </a:fillRef>
+          <a:effectRef idx="0">
+            <a:schemeClr val="accent1"/>
+          </a:effectRef>
+          <a:fontRef idx="minor">
+            <a:schemeClr val="lt1"/>
+          </a:fontRef>
+        </p:style>
+        <p:txBody>
+          <a:bodyPr rtlCol="0" anchor="ctr"/>
+          <a:lstStyle/>
+          <a:p>
+            <a:pPr algn="ctr"/>
+            <a:endParaRPr lang="en-US"/>
+          </a:p>
+        </p:txBody>
+      </p:sp>
+      <p:sp>
+        <p:nvSpPr>
+          <p:cNvPr id="18" name="Freeform: Shape 17">
+            <a:extLst>
+              <a:ext uri="{FF2B5EF4-FFF2-40B4-BE49-F238E27FC236}">
+                <a16:creationId xmlns:a16="http://schemas.microsoft.com/office/drawing/2014/main" id="{9A97C86A-04D6-40F7-AE84-31AB43E6A846}"/>
+              </a:ext>
+              <a:ext uri="{C183D7F6-B498-43B3-948B-1728B52AA6E4}">
+                <adec:decorative xmlns:adec="http://schemas.microsoft.com/office/drawing/2017/decorative" val="1"/>
+              </a:ext>
+            </a:extLst>
+          </p:cNvPr>
+          <p:cNvSpPr>
+            <a:spLocks noGrp="1" noRot="1" noChangeAspect="1" noMove="1" noResize="1" noEditPoints="1" noAdjustHandles="1" noChangeArrowheads="1" noChangeShapeType="1" noTextEdit="1"/>
+          </p:cNvSpPr>
+          <p:nvPr>
+            <p:extLst>
+              <p:ext uri="{386F3935-93C4-4BCD-93E2-E3B085C9AB24}">
+                <p16:designElem xmlns:p16="http://schemas.microsoft.com/office/powerpoint/2015/main" val="1"/>
+              </p:ext>
+            </p:extLst>
+          </p:nvPr>
+        </p:nvSpPr>
+        <p:spPr>
+          <a:xfrm rot="10800000" flipH="1">
+            <a:off x="9356643" y="0"/>
+            <a:ext cx="2835357" cy="1480837"/>
+          </a:xfrm>
+          <a:custGeom>
+            <a:avLst/>
+            <a:gdLst>
+              <a:gd name="connsiteX0" fmla="*/ 2835357 w 2835357"/>
+              <a:gd name="connsiteY0" fmla="*/ 1480837 h 1480837"/>
+              <a:gd name="connsiteX1" fmla="*/ 0 w 2835357"/>
+              <a:gd name="connsiteY1" fmla="*/ 1480837 h 1480837"/>
+              <a:gd name="connsiteX2" fmla="*/ 1552727 w 2835357"/>
+              <a:gd name="connsiteY2" fmla="*/ 0 h 1480837"/>
+              <a:gd name="connsiteX3" fmla="*/ 2835357 w 2835357"/>
+              <a:gd name="connsiteY3" fmla="*/ 1223245 h 1480837"/>
+            </a:gdLst>
+            <a:ahLst/>
+            <a:cxnLst>
+              <a:cxn ang="0">
+                <a:pos x="connsiteX0" y="connsiteY0"/>
+              </a:cxn>
+              <a:cxn ang="0">
+                <a:pos x="connsiteX1" y="connsiteY1"/>
+              </a:cxn>
+              <a:cxn ang="0">
+                <a:pos x="connsiteX2" y="connsiteY2"/>
+              </a:cxn>
+              <a:cxn ang="0">
+                <a:pos x="connsiteX3" y="connsiteY3"/>
+              </a:cxn>
+            </a:cxnLst>
+            <a:rect l="l" t="t" r="r" b="b"/>
+            <a:pathLst>
+              <a:path w="2835357" h="1480837">
+                <a:moveTo>
+                  <a:pt x="2835357" y="1480837"/>
+                </a:moveTo>
+                <a:lnTo>
+                  <a:pt x="0" y="1480837"/>
+                </a:lnTo>
+                <a:lnTo>
+                  <a:pt x="1552727" y="0"/>
+                </a:lnTo>
+                <a:lnTo>
+                  <a:pt x="2835357" y="1223245"/>
+                </a:lnTo>
+                <a:close/>
+              </a:path>
+            </a:pathLst>
+          </a:custGeom>
+          <a:solidFill>
+            <a:schemeClr val="accent4">
+              <a:alpha val="30000"/>
+            </a:schemeClr>
+          </a:solidFill>
+          <a:ln>
+            <a:noFill/>
+          </a:ln>
+        </p:spPr>
+        <p:style>
+          <a:lnRef idx="2">
+            <a:schemeClr val="accent1">
+              <a:shade val="50000"/>
+            </a:schemeClr>
+          </a:lnRef>
+          <a:fillRef idx="1">
+            <a:schemeClr val="accent1"/>
+          </a:fillRef>
+          <a:effectRef idx="0">
+            <a:schemeClr val="accent1"/>
+          </a:effectRef>
+          <a:fontRef idx="minor">
+            <a:schemeClr val="lt1"/>
+          </a:fontRef>
+        </p:style>
+        <p:txBody>
+          <a:bodyPr wrap="square" rtlCol="0" anchor="ctr">
+            <a:noAutofit/>
+          </a:bodyPr>
+          <a:lstStyle/>
+          <a:p>
+            <a:pPr algn="ctr"/>
+            <a:endParaRPr lang="en-US" dirty="0"/>
+          </a:p>
+        </p:txBody>
+      </p:sp>
+      <p:sp>
+        <p:nvSpPr>
+          <p:cNvPr id="20" name="Isosceles Triangle 19">
+            <a:extLst>
+              <a:ext uri="{FF2B5EF4-FFF2-40B4-BE49-F238E27FC236}">
+                <a16:creationId xmlns:a16="http://schemas.microsoft.com/office/drawing/2014/main" id="{FF9F2414-84E8-453E-B1F3-389FDE8192D9}"/>
+              </a:ext>
+              <a:ext uri="{C183D7F6-B498-43B3-948B-1728B52AA6E4}">
+                <adec:decorative xmlns:adec="http://schemas.microsoft.com/office/drawing/2017/decorative" val="1"/>
+              </a:ext>
+            </a:extLst>
+          </p:cNvPr>
+          <p:cNvSpPr>
+            <a:spLocks noGrp="1" noRot="1" noChangeAspect="1" noMove="1" noResize="1" noEditPoints="1" noAdjustHandles="1" noChangeArrowheads="1" noChangeShapeType="1" noTextEdit="1"/>
+          </p:cNvSpPr>
+          <p:nvPr>
+            <p:extLst>
+              <p:ext uri="{386F3935-93C4-4BCD-93E2-E3B085C9AB24}">
+                <p16:designElem xmlns:p16="http://schemas.microsoft.com/office/powerpoint/2015/main" val="1"/>
+              </p:ext>
+            </p:extLst>
+          </p:nvPr>
+        </p:nvSpPr>
+        <p:spPr>
+          <a:xfrm flipH="1">
+            <a:off x="7976344" y="6115501"/>
+            <a:ext cx="1494513" cy="742499"/>
+          </a:xfrm>
+          <a:prstGeom prst="triangle">
+            <a:avLst/>
+          </a:prstGeom>
+          <a:solidFill>
+            <a:schemeClr val="accent1">
+              <a:alpha val="30000"/>
+            </a:schemeClr>
+          </a:solidFill>
+          <a:ln>
+            <a:noFill/>
+          </a:ln>
+        </p:spPr>
+        <p:style>
+          <a:lnRef idx="2">
+            <a:schemeClr val="accent1">
+              <a:shade val="50000"/>
+            </a:schemeClr>
+          </a:lnRef>
+          <a:fillRef idx="1">
+            <a:schemeClr val="accent1"/>
+          </a:fillRef>
+          <a:effectRef idx="0">
+            <a:schemeClr val="accent1"/>
+          </a:effectRef>
+          <a:fontRef idx="minor">
+            <a:schemeClr val="lt1"/>
+          </a:fontRef>
+        </p:style>
+        <p:txBody>
+          <a:bodyPr rtlCol="0" anchor="ctr"/>
+          <a:lstStyle/>
+          <a:p>
+            <a:pPr algn="ctr"/>
+            <a:endParaRPr lang="en-US"/>
+          </a:p>
+        </p:txBody>
+      </p:sp>
+      <p:pic>
+        <p:nvPicPr>
+          <p:cNvPr id="5" name="Content Placeholder 4" descr="Chart, scatter chart&#10;&#10;Description automatically generated">
+            <a:extLst>
+              <a:ext uri="{FF2B5EF4-FFF2-40B4-BE49-F238E27FC236}">
+                <a16:creationId xmlns:a16="http://schemas.microsoft.com/office/drawing/2014/main" id="{8B2B655E-E298-3BBF-2A47-871AF2D23976}"/>
+              </a:ext>
+            </a:extLst>
+          </p:cNvPr>
+          <p:cNvPicPr>
+            <a:picLocks noGrp="1" noChangeAspect="1"/>
+          </p:cNvPicPr>
+          <p:nvPr>
+            <p:ph idx="1"/>
+          </p:nvPr>
+        </p:nvPicPr>
+        <p:blipFill>
+          <a:blip r:embed="rId2">
+            <a:extLst>
+              <a:ext uri="{28A0092B-C50C-407E-A947-70E740481C1C}">
+                <a14:useLocalDpi xmlns:a14="http://schemas.microsoft.com/office/drawing/2010/main" val="0"/>
+              </a:ext>
+            </a:extLst>
+          </a:blip>
+          <a:stretch>
+            <a:fillRect/>
+          </a:stretch>
+        </p:blipFill>
+        <p:spPr>
+          <a:xfrm>
+            <a:off x="6018646" y="167490"/>
+            <a:ext cx="6173354" cy="4630015"/>
+          </a:xfrm>
+          <a:prstGeom prst="rect">
+            <a:avLst/>
+          </a:prstGeom>
+          <a:ln>
+            <a:noFill/>
+          </a:ln>
+        </p:spPr>
+      </p:pic>
+      <p:sp>
+        <p:nvSpPr>
+          <p:cNvPr id="22" name="Isosceles Triangle 21">
+            <a:extLst>
+              <a:ext uri="{FF2B5EF4-FFF2-40B4-BE49-F238E27FC236}">
+                <a16:creationId xmlns:a16="http://schemas.microsoft.com/office/drawing/2014/main" id="{3ECA69A1-7536-43AC-85EF-C7106179F5ED}"/>
+              </a:ext>
+              <a:ext uri="{C183D7F6-B498-43B3-948B-1728B52AA6E4}">
+                <adec:decorative xmlns:adec="http://schemas.microsoft.com/office/drawing/2017/decorative" val="1"/>
+              </a:ext>
+            </a:extLst>
+          </p:cNvPr>
+          <p:cNvSpPr>
+            <a:spLocks noGrp="1" noRot="1" noChangeAspect="1" noMove="1" noResize="1" noEditPoints="1" noAdjustHandles="1" noChangeArrowheads="1" noChangeShapeType="1" noTextEdit="1"/>
+          </p:cNvSpPr>
+          <p:nvPr>
+            <p:extLst>
+              <p:ext uri="{386F3935-93C4-4BCD-93E2-E3B085C9AB24}">
+                <p16:designElem xmlns:p16="http://schemas.microsoft.com/office/powerpoint/2015/main" val="1"/>
+              </p:ext>
+            </p:extLst>
+          </p:nvPr>
+        </p:nvSpPr>
+        <p:spPr>
+          <a:xfrm flipH="1">
+            <a:off x="7604080" y="6453143"/>
+            <a:ext cx="814903" cy="404857"/>
+          </a:xfrm>
+          <a:prstGeom prst="triangle">
+            <a:avLst/>
+          </a:prstGeom>
+          <a:solidFill>
+            <a:schemeClr val="accent1">
+              <a:alpha val="30000"/>
+            </a:schemeClr>
+          </a:solidFill>
+          <a:ln>
+            <a:noFill/>
+          </a:ln>
+        </p:spPr>
+        <p:style>
+          <a:lnRef idx="2">
+            <a:schemeClr val="accent1">
+              <a:shade val="50000"/>
+            </a:schemeClr>
+          </a:lnRef>
+          <a:fillRef idx="1">
+            <a:schemeClr val="accent1"/>
+          </a:fillRef>
+          <a:effectRef idx="0">
+            <a:schemeClr val="accent1"/>
+          </a:effectRef>
+          <a:fontRef idx="minor">
+            <a:schemeClr val="lt1"/>
+          </a:fontRef>
+        </p:style>
+        <p:txBody>
+          <a:bodyPr rtlCol="0" anchor="ctr"/>
+          <a:lstStyle/>
+          <a:p>
+            <a:pPr algn="ctr"/>
+            <a:endParaRPr lang="en-US"/>
+          </a:p>
+        </p:txBody>
+      </p:sp>
+      <p:pic>
+        <p:nvPicPr>
+          <p:cNvPr id="9" name="Picture 8">
+            <a:extLst>
+              <a:ext uri="{FF2B5EF4-FFF2-40B4-BE49-F238E27FC236}">
+                <a16:creationId xmlns:a16="http://schemas.microsoft.com/office/drawing/2014/main" id="{49ED840D-DFB8-AB72-31AC-A78B5E616484}"/>
+              </a:ext>
+            </a:extLst>
+          </p:cNvPr>
+          <p:cNvPicPr>
+            <a:picLocks noChangeAspect="1"/>
+          </p:cNvPicPr>
+          <p:nvPr/>
+        </p:nvPicPr>
+        <p:blipFill>
+          <a:blip r:embed="rId3"/>
+          <a:stretch>
+            <a:fillRect/>
+          </a:stretch>
+        </p:blipFill>
+        <p:spPr>
+          <a:xfrm>
+            <a:off x="395486" y="139500"/>
+            <a:ext cx="6054932" cy="4541199"/>
+          </a:xfrm>
+          <a:prstGeom prst="rect">
+            <a:avLst/>
+          </a:prstGeom>
+        </p:spPr>
+      </p:pic>
+      <p:sp>
+        <p:nvSpPr>
+          <p:cNvPr id="21" name="TextBox 20">
+            <a:extLst>
+              <a:ext uri="{FF2B5EF4-FFF2-40B4-BE49-F238E27FC236}">
+                <a16:creationId xmlns:a16="http://schemas.microsoft.com/office/drawing/2014/main" id="{DCF6401A-4E2D-FADB-FAC9-AA14BBE15775}"/>
+              </a:ext>
+            </a:extLst>
+          </p:cNvPr>
+          <p:cNvSpPr txBox="1"/>
+          <p:nvPr/>
+        </p:nvSpPr>
+        <p:spPr>
+          <a:xfrm>
+            <a:off x="8262477" y="279754"/>
+            <a:ext cx="1907638" cy="400110"/>
+          </a:xfrm>
+          <a:prstGeom prst="rect">
+            <a:avLst/>
+          </a:prstGeom>
+          <a:noFill/>
+        </p:spPr>
+        <p:txBody>
+          <a:bodyPr wrap="none" rtlCol="0">
+            <a:spAutoFit/>
+          </a:bodyPr>
+          <a:lstStyle/>
+          <a:p>
+            <a:r>
+              <a:rPr lang="en-US" sz="2000" b="1"/>
+              <a:t>Testing accuracy</a:t>
+            </a:r>
+          </a:p>
+        </p:txBody>
+      </p:sp>
+      <p:sp>
+        <p:nvSpPr>
+          <p:cNvPr id="23" name="TextBox 22">
+            <a:extLst>
+              <a:ext uri="{FF2B5EF4-FFF2-40B4-BE49-F238E27FC236}">
+                <a16:creationId xmlns:a16="http://schemas.microsoft.com/office/drawing/2014/main" id="{C5DA05F0-C3A7-88E5-35E0-C061C123A144}"/>
+              </a:ext>
+            </a:extLst>
+          </p:cNvPr>
+          <p:cNvSpPr txBox="1"/>
+          <p:nvPr/>
+        </p:nvSpPr>
+        <p:spPr>
+          <a:xfrm>
+            <a:off x="2674766" y="248895"/>
+            <a:ext cx="1496372" cy="400110"/>
+          </a:xfrm>
+          <a:prstGeom prst="rect">
+            <a:avLst/>
+          </a:prstGeom>
+          <a:noFill/>
+        </p:spPr>
+        <p:txBody>
+          <a:bodyPr wrap="none" rtlCol="0">
+            <a:spAutoFit/>
+          </a:bodyPr>
+          <a:lstStyle/>
+          <a:p>
+            <a:r>
+              <a:rPr lang="en-US" sz="2000" b="1"/>
+              <a:t>Training loss</a:t>
+            </a:r>
+          </a:p>
+        </p:txBody>
+      </p:sp>
+      <p:pic>
+        <p:nvPicPr>
+          <p:cNvPr id="15" name="Picture 14">
+            <a:extLst>
+              <a:ext uri="{FF2B5EF4-FFF2-40B4-BE49-F238E27FC236}">
+                <a16:creationId xmlns:a16="http://schemas.microsoft.com/office/drawing/2014/main" id="{E0884D08-5A89-4026-F318-3D98692541AD}"/>
+              </a:ext>
+            </a:extLst>
+          </p:cNvPr>
+          <p:cNvPicPr>
+            <a:picLocks noChangeAspect="1"/>
+          </p:cNvPicPr>
+          <p:nvPr/>
+        </p:nvPicPr>
+        <p:blipFill>
+          <a:blip r:embed="rId4"/>
+          <a:stretch>
+            <a:fillRect/>
+          </a:stretch>
+        </p:blipFill>
+        <p:spPr>
+          <a:xfrm>
+            <a:off x="2178023" y="5076250"/>
+            <a:ext cx="7992092" cy="1693976"/>
+          </a:xfrm>
+          <a:prstGeom prst="rect">
+            <a:avLst/>
+          </a:prstGeom>
+        </p:spPr>
+      </p:pic>
+    </p:spTree>
+    <p:extLst>
+      <p:ext uri="{BB962C8B-B14F-4D97-AF65-F5344CB8AC3E}">
+        <p14:creationId xmlns:p14="http://schemas.microsoft.com/office/powerpoint/2010/main" val="2050942928"/>
+      </p:ext>
+    </p:extLst>
+  </p:cSld>
+  <p:clrMapOvr>
+    <a:masterClrMapping/>
+  </p:clrMapOvr>
+</p:sld>
+</file>
+
 <file path=ppt/theme/theme1.xml><?xml version="1.0" encoding="utf-8"?>
 <a:theme xmlns:a="http://schemas.openxmlformats.org/drawingml/2006/main" name="Office Theme">
   <a:themeElements>
@@ -5544,6 +6533,21 @@
 </file>
 
 <file path=customXml/item1.xml><?xml version="1.0" encoding="utf-8"?>
+<?mso-contentType ?>
+<FormTemplates xmlns="http://schemas.microsoft.com/sharepoint/v3/contenttype/forms">
+  <Display>DocumentLibraryForm</Display>
+  <Edit>DocumentLibraryForm</Edit>
+  <New>DocumentLibraryForm</New>
+</FormTemplates>
+</file>
+
+<file path=customXml/item2.xml><?xml version="1.0" encoding="utf-8"?>
+<p:properties xmlns:p="http://schemas.microsoft.com/office/2006/metadata/properties" xmlns:xsi="http://www.w3.org/2001/XMLSchema-instance" xmlns:pc="http://schemas.microsoft.com/office/infopath/2007/PartnerControls">
+  <documentManagement/>
+</p:properties>
+</file>
+
+<file path=customXml/item3.xml><?xml version="1.0" encoding="utf-8"?>
 <ct:contentTypeSchema xmlns:ct="http://schemas.microsoft.com/office/2006/metadata/contentType" xmlns:ma="http://schemas.microsoft.com/office/2006/metadata/properties/metaAttributes" ct:_="" ma:_="" ma:contentTypeName="Document" ma:contentTypeID="0x01010040FE55B941842E498EC3449251070BF6" ma:contentTypeVersion="2" ma:contentTypeDescription="Create a new document." ma:contentTypeScope="" ma:versionID="cb59935db4f0752cc6b3e3dbcca6eab1">
   <xsd:schema xmlns:xsd="http://www.w3.org/2001/XMLSchema" xmlns:xs="http://www.w3.org/2001/XMLSchema" xmlns:p="http://schemas.microsoft.com/office/2006/metadata/properties" xmlns:ns3="316353de-7206-4fe2-9a26-8db1d33fb6b4" targetNamespace="http://schemas.microsoft.com/office/2006/metadata/properties" ma:root="true" ma:fieldsID="7008590d3442bbbe920960882311a4e3" ns3:_="">
     <xsd:import namespace="316353de-7206-4fe2-9a26-8db1d33fb6b4"/>
@@ -5675,22 +6679,31 @@
 </ct:contentTypeSchema>
 </file>
 
-<file path=customXml/item2.xml><?xml version="1.0" encoding="utf-8"?>
-<?mso-contentType ?>
-<FormTemplates xmlns="http://schemas.microsoft.com/sharepoint/v3/contenttype/forms">
-  <Display>DocumentLibraryForm</Display>
-  <Edit>DocumentLibraryForm</Edit>
-  <New>DocumentLibraryForm</New>
-</FormTemplates>
+<file path=customXml/itemProps1.xml><?xml version="1.0" encoding="utf-8"?>
+<ds:datastoreItem xmlns:ds="http://schemas.openxmlformats.org/officeDocument/2006/customXml" ds:itemID="{2717546E-4406-4B0E-9CE4-F75085AE7A0C}">
+  <ds:schemaRefs>
+    <ds:schemaRef ds:uri="http://schemas.microsoft.com/sharepoint/v3/contenttype/forms"/>
+  </ds:schemaRefs>
+</ds:datastoreItem>
 </file>
 
-<file path=customXml/item3.xml><?xml version="1.0" encoding="utf-8"?>
-<p:properties xmlns:p="http://schemas.microsoft.com/office/2006/metadata/properties" xmlns:xsi="http://www.w3.org/2001/XMLSchema-instance" xmlns:pc="http://schemas.microsoft.com/office/infopath/2007/PartnerControls">
-  <documentManagement/>
-</p:properties>
+<file path=customXml/itemProps2.xml><?xml version="1.0" encoding="utf-8"?>
+<ds:datastoreItem xmlns:ds="http://schemas.openxmlformats.org/officeDocument/2006/customXml" ds:itemID="{EA1E3904-9E78-4410-A5F4-D36F445E550F}">
+  <ds:schemaRefs>
+    <ds:schemaRef ds:uri="http://purl.org/dc/terms/"/>
+    <ds:schemaRef ds:uri="http://schemas.openxmlformats.org/package/2006/metadata/core-properties"/>
+    <ds:schemaRef ds:uri="http://schemas.microsoft.com/office/2006/documentManagement/types"/>
+    <ds:schemaRef ds:uri="http://schemas.microsoft.com/office/infopath/2007/PartnerControls"/>
+    <ds:schemaRef ds:uri="http://purl.org/dc/elements/1.1/"/>
+    <ds:schemaRef ds:uri="http://schemas.microsoft.com/office/2006/metadata/properties"/>
+    <ds:schemaRef ds:uri="316353de-7206-4fe2-9a26-8db1d33fb6b4"/>
+    <ds:schemaRef ds:uri="http://www.w3.org/XML/1998/namespace"/>
+    <ds:schemaRef ds:uri="http://purl.org/dc/dcmitype/"/>
+  </ds:schemaRefs>
+</ds:datastoreItem>
 </file>
 
-<file path=customXml/itemProps1.xml><?xml version="1.0" encoding="utf-8"?>
+<file path=customXml/itemProps3.xml><?xml version="1.0" encoding="utf-8"?>
 <ds:datastoreItem xmlns:ds="http://schemas.openxmlformats.org/officeDocument/2006/customXml" ds:itemID="{9AEEAE06-B6C3-4D88-95BB-E6EDC7EB0F25}">
   <ds:schemaRefs>
     <ds:schemaRef ds:uri="http://schemas.microsoft.com/office/2006/metadata/contentType"/>
@@ -5706,28 +6719,4 @@
     <ds:schemaRef ds:uri="http://schemas.microsoft.com/internal/obd"/>
   </ds:schemaRefs>
 </ds:datastoreItem>
-</file>
-
-<file path=customXml/itemProps2.xml><?xml version="1.0" encoding="utf-8"?>
-<ds:datastoreItem xmlns:ds="http://schemas.openxmlformats.org/officeDocument/2006/customXml" ds:itemID="{2717546E-4406-4B0E-9CE4-F75085AE7A0C}">
-  <ds:schemaRefs>
-    <ds:schemaRef ds:uri="http://schemas.microsoft.com/sharepoint/v3/contenttype/forms"/>
-  </ds:schemaRefs>
-</ds:datastoreItem>
-</file>
-
-<file path=customXml/itemProps3.xml><?xml version="1.0" encoding="utf-8"?>
-<ds:datastoreItem xmlns:ds="http://schemas.openxmlformats.org/officeDocument/2006/customXml" ds:itemID="{EA1E3904-9E78-4410-A5F4-D36F445E550F}">
-  <ds:schemaRefs>
-    <ds:schemaRef ds:uri="http://purl.org/dc/terms/"/>
-    <ds:schemaRef ds:uri="http://schemas.openxmlformats.org/package/2006/metadata/core-properties"/>
-    <ds:schemaRef ds:uri="http://schemas.microsoft.com/office/2006/documentManagement/types"/>
-    <ds:schemaRef ds:uri="http://schemas.microsoft.com/office/infopath/2007/PartnerControls"/>
-    <ds:schemaRef ds:uri="http://purl.org/dc/elements/1.1/"/>
-    <ds:schemaRef ds:uri="http://schemas.microsoft.com/office/2006/metadata/properties"/>
-    <ds:schemaRef ds:uri="316353de-7206-4fe2-9a26-8db1d33fb6b4"/>
-    <ds:schemaRef ds:uri="http://www.w3.org/XML/1998/namespace"/>
-    <ds:schemaRef ds:uri="http://purl.org/dc/dcmitype/"/>
-  </ds:schemaRefs>
-</ds:datastoreItem>
 </file>
--- a/discussion.pptx
+++ b/discussion.pptx
@@ -264,7 +264,7 @@
           <a:p>
             <a:fld id="{FDDCBBC6-2C39-4D90-B73C-3BC6048CB8F9}" type="datetimeFigureOut">
               <a:rPr lang="en-US" smtClean="0"/>
-              <a:t>5/27/22</a:t>
+              <a:t>05/30/22</a:t>
             </a:fld>
             <a:endParaRPr lang="en-US"/>
           </a:p>
@@ -462,7 +462,7 @@
           <a:p>
             <a:fld id="{FDDCBBC6-2C39-4D90-B73C-3BC6048CB8F9}" type="datetimeFigureOut">
               <a:rPr lang="en-US" smtClean="0"/>
-              <a:t>5/27/22</a:t>
+              <a:t>05/30/22</a:t>
             </a:fld>
             <a:endParaRPr lang="en-US"/>
           </a:p>
@@ -670,7 +670,7 @@
           <a:p>
             <a:fld id="{FDDCBBC6-2C39-4D90-B73C-3BC6048CB8F9}" type="datetimeFigureOut">
               <a:rPr lang="en-US" smtClean="0"/>
-              <a:t>5/27/22</a:t>
+              <a:t>05/30/22</a:t>
             </a:fld>
             <a:endParaRPr lang="en-US"/>
           </a:p>
@@ -868,7 +868,7 @@
           <a:p>
             <a:fld id="{FDDCBBC6-2C39-4D90-B73C-3BC6048CB8F9}" type="datetimeFigureOut">
               <a:rPr lang="en-US" smtClean="0"/>
-              <a:t>5/27/22</a:t>
+              <a:t>05/30/22</a:t>
             </a:fld>
             <a:endParaRPr lang="en-US"/>
           </a:p>
@@ -1143,7 +1143,7 @@
           <a:p>
             <a:fld id="{FDDCBBC6-2C39-4D90-B73C-3BC6048CB8F9}" type="datetimeFigureOut">
               <a:rPr lang="en-US" smtClean="0"/>
-              <a:t>5/27/22</a:t>
+              <a:t>05/30/22</a:t>
             </a:fld>
             <a:endParaRPr lang="en-US"/>
           </a:p>
@@ -1408,7 +1408,7 @@
           <a:p>
             <a:fld id="{FDDCBBC6-2C39-4D90-B73C-3BC6048CB8F9}" type="datetimeFigureOut">
               <a:rPr lang="en-US" smtClean="0"/>
-              <a:t>5/27/22</a:t>
+              <a:t>05/30/22</a:t>
             </a:fld>
             <a:endParaRPr lang="en-US"/>
           </a:p>
@@ -1820,7 +1820,7 @@
           <a:p>
             <a:fld id="{FDDCBBC6-2C39-4D90-B73C-3BC6048CB8F9}" type="datetimeFigureOut">
               <a:rPr lang="en-US" smtClean="0"/>
-              <a:t>5/27/22</a:t>
+              <a:t>05/30/22</a:t>
             </a:fld>
             <a:endParaRPr lang="en-US"/>
           </a:p>
@@ -1961,7 +1961,7 @@
           <a:p>
             <a:fld id="{FDDCBBC6-2C39-4D90-B73C-3BC6048CB8F9}" type="datetimeFigureOut">
               <a:rPr lang="en-US" smtClean="0"/>
-              <a:t>5/27/22</a:t>
+              <a:t>05/30/22</a:t>
             </a:fld>
             <a:endParaRPr lang="en-US"/>
           </a:p>
@@ -2074,7 +2074,7 @@
           <a:p>
             <a:fld id="{FDDCBBC6-2C39-4D90-B73C-3BC6048CB8F9}" type="datetimeFigureOut">
               <a:rPr lang="en-US" smtClean="0"/>
-              <a:t>5/27/22</a:t>
+              <a:t>05/30/22</a:t>
             </a:fld>
             <a:endParaRPr lang="en-US"/>
           </a:p>
@@ -2385,7 +2385,7 @@
           <a:p>
             <a:fld id="{FDDCBBC6-2C39-4D90-B73C-3BC6048CB8F9}" type="datetimeFigureOut">
               <a:rPr lang="en-US" smtClean="0"/>
-              <a:t>5/27/22</a:t>
+              <a:t>05/30/22</a:t>
             </a:fld>
             <a:endParaRPr lang="en-US"/>
           </a:p>
@@ -2673,7 +2673,7 @@
           <a:p>
             <a:fld id="{FDDCBBC6-2C39-4D90-B73C-3BC6048CB8F9}" type="datetimeFigureOut">
               <a:rPr lang="en-US" smtClean="0"/>
-              <a:t>5/27/22</a:t>
+              <a:t>05/30/22</a:t>
             </a:fld>
             <a:endParaRPr lang="en-US"/>
           </a:p>
@@ -2914,7 +2914,7 @@
           <a:p>
             <a:fld id="{FDDCBBC6-2C39-4D90-B73C-3BC6048CB8F9}" type="datetimeFigureOut">
               <a:rPr lang="en-US" smtClean="0"/>
-              <a:t>5/27/22</a:t>
+              <a:t>05/30/22</a:t>
             </a:fld>
             <a:endParaRPr lang="en-US"/>
           </a:p>
@@ -3331,42 +3331,6 @@
           <a:chExt cx="0" cy="0"/>
         </a:xfrm>
       </p:grpSpPr>
-      <p:pic>
-        <p:nvPicPr>
-          <p:cNvPr id="7" name="Picture 6" descr="Diagram&#10;&#10;Description automatically generated">
-            <a:extLst>
-              <a:ext uri="{FF2B5EF4-FFF2-40B4-BE49-F238E27FC236}">
-                <a16:creationId xmlns:a16="http://schemas.microsoft.com/office/drawing/2014/main" id="{F4CF7824-B6E1-3EAE-E48F-77D6B7C19B2F}"/>
-              </a:ext>
-            </a:extLst>
-          </p:cNvPr>
-          <p:cNvPicPr>
-            <a:picLocks noChangeAspect="1"/>
-          </p:cNvPicPr>
-          <p:nvPr/>
-        </p:nvPicPr>
-        <p:blipFill>
-          <a:blip r:embed="rId2">
-            <a:extLst>
-              <a:ext uri="{28A0092B-C50C-407E-A947-70E740481C1C}">
-                <a14:useLocalDpi xmlns:a14="http://schemas.microsoft.com/office/drawing/2010/main" val="0"/>
-              </a:ext>
-            </a:extLst>
-          </a:blip>
-          <a:stretch>
-            <a:fillRect/>
-          </a:stretch>
-        </p:blipFill>
-        <p:spPr>
-          <a:xfrm>
-            <a:off x="2328333" y="1394934"/>
-            <a:ext cx="7436452" cy="5378528"/>
-          </a:xfrm>
-          <a:prstGeom prst="rect">
-            <a:avLst/>
-          </a:prstGeom>
-        </p:spPr>
-      </p:pic>
       <p:sp>
         <p:nvSpPr>
           <p:cNvPr id="8" name="TextBox 7">
@@ -3402,123 +3366,42 @@
           </a:p>
         </p:txBody>
       </p:sp>
-      <p:sp>
-        <p:nvSpPr>
-          <p:cNvPr id="9" name="TextBox 8">
-            <a:extLst>
-              <a:ext uri="{FF2B5EF4-FFF2-40B4-BE49-F238E27FC236}">
-                <a16:creationId xmlns:a16="http://schemas.microsoft.com/office/drawing/2014/main" id="{382CBC30-A1AE-0013-0930-D91ADF7875EF}"/>
-              </a:ext>
-            </a:extLst>
-          </p:cNvPr>
-          <p:cNvSpPr txBox="1"/>
+      <p:pic>
+        <p:nvPicPr>
+          <p:cNvPr id="6" name="Picture 5" descr="Diagram&#10;&#10;Description automatically generated">
+            <a:extLst>
+              <a:ext uri="{FF2B5EF4-FFF2-40B4-BE49-F238E27FC236}">
+                <a16:creationId xmlns:a16="http://schemas.microsoft.com/office/drawing/2014/main" id="{28E55EE7-D6CB-1CD1-DA60-709F4F8E2FEA}"/>
+              </a:ext>
+            </a:extLst>
+          </p:cNvPr>
+          <p:cNvPicPr>
+            <a:picLocks noChangeAspect="1"/>
+          </p:cNvPicPr>
           <p:nvPr/>
-        </p:nvSpPr>
+        </p:nvPicPr>
+        <p:blipFill>
+          <a:blip r:embed="rId2">
+            <a:extLst>
+              <a:ext uri="{28A0092B-C50C-407E-A947-70E740481C1C}">
+                <a14:useLocalDpi xmlns:a14="http://schemas.microsoft.com/office/drawing/2010/main" val="0"/>
+              </a:ext>
+            </a:extLst>
+          </a:blip>
+          <a:stretch>
+            <a:fillRect/>
+          </a:stretch>
+        </p:blipFill>
         <p:spPr>
           <a:xfrm>
-            <a:off x="6326293" y="3562774"/>
-            <a:ext cx="399468" cy="369332"/>
+            <a:off x="1509885" y="1930903"/>
+            <a:ext cx="9588500" cy="3803650"/>
           </a:xfrm>
           <a:prstGeom prst="rect">
             <a:avLst/>
           </a:prstGeom>
-          <a:noFill/>
         </p:spPr>
-        <p:txBody>
-          <a:bodyPr wrap="none" rtlCol="0">
-            <a:spAutoFit/>
-          </a:bodyPr>
-          <a:lstStyle/>
-          <a:p>
-            <a:r>
-              <a:rPr lang="en-US" b="1">
-                <a:solidFill>
-                  <a:schemeClr val="accent1"/>
-                </a:solidFill>
-              </a:rPr>
-              <a:t>L1</a:t>
-            </a:r>
-          </a:p>
-        </p:txBody>
-      </p:sp>
-      <p:sp>
-        <p:nvSpPr>
-          <p:cNvPr id="10" name="TextBox 9">
-            <a:extLst>
-              <a:ext uri="{FF2B5EF4-FFF2-40B4-BE49-F238E27FC236}">
-                <a16:creationId xmlns:a16="http://schemas.microsoft.com/office/drawing/2014/main" id="{F1847B18-F24B-E3F0-6DD6-98248FD49B22}"/>
-              </a:ext>
-            </a:extLst>
-          </p:cNvPr>
-          <p:cNvSpPr txBox="1"/>
-          <p:nvPr/>
-        </p:nvSpPr>
-        <p:spPr>
-          <a:xfrm>
-            <a:off x="7948247" y="3562774"/>
-            <a:ext cx="399468" cy="369332"/>
-          </a:xfrm>
-          <a:prstGeom prst="rect">
-            <a:avLst/>
-          </a:prstGeom>
-          <a:noFill/>
-        </p:spPr>
-        <p:txBody>
-          <a:bodyPr wrap="none" rtlCol="0">
-            <a:spAutoFit/>
-          </a:bodyPr>
-          <a:lstStyle/>
-          <a:p>
-            <a:r>
-              <a:rPr lang="en-US" b="1">
-                <a:solidFill>
-                  <a:schemeClr val="accent1"/>
-                </a:solidFill>
-              </a:rPr>
-              <a:t>L3</a:t>
-            </a:r>
-          </a:p>
-        </p:txBody>
-      </p:sp>
-      <p:sp>
-        <p:nvSpPr>
-          <p:cNvPr id="15" name="TextBox 14">
-            <a:extLst>
-              <a:ext uri="{FF2B5EF4-FFF2-40B4-BE49-F238E27FC236}">
-                <a16:creationId xmlns:a16="http://schemas.microsoft.com/office/drawing/2014/main" id="{3E5B7B0D-3BC7-D0CF-B331-CA3441563EE6}"/>
-              </a:ext>
-            </a:extLst>
-          </p:cNvPr>
-          <p:cNvSpPr txBox="1"/>
-          <p:nvPr/>
-        </p:nvSpPr>
-        <p:spPr>
-          <a:xfrm>
-            <a:off x="7161097" y="3562774"/>
-            <a:ext cx="399468" cy="369332"/>
-          </a:xfrm>
-          <a:prstGeom prst="rect">
-            <a:avLst/>
-          </a:prstGeom>
-          <a:noFill/>
-        </p:spPr>
-        <p:txBody>
-          <a:bodyPr wrap="none" rtlCol="0">
-            <a:spAutoFit/>
-          </a:bodyPr>
-          <a:lstStyle/>
-          <a:p>
-            <a:r>
-              <a:rPr lang="en-US" b="1">
-                <a:solidFill>
-                  <a:schemeClr val="accent1"/>
-                </a:solidFill>
-              </a:rPr>
-              <a:t>L2</a:t>
-            </a:r>
-          </a:p>
-        </p:txBody>
-      </p:sp>
+      </p:pic>
     </p:spTree>
     <p:extLst>
       <p:ext uri="{BB962C8B-B14F-4D97-AF65-F5344CB8AC3E}">
@@ -5316,7 +5199,7 @@
         <p:spPr/>
         <p:txBody>
           <a:bodyPr>
-            <a:normAutofit fontScale="62500" lnSpcReduction="20000"/>
+            <a:normAutofit fontScale="55000" lnSpcReduction="20000"/>
           </a:bodyPr>
           <a:lstStyle/>
           <a:p>
@@ -5361,40 +5244,94 @@
           </a:p>
           <a:p>
             <a:r>
-              <a:rPr lang="en-US" dirty="0"/>
-              <a:t>Untested model before change</a:t>
-            </a:r>
+              <a:rPr lang="en-US">
+                <a:solidFill>
+                  <a:srgbClr val="FF0000"/>
+                </a:solidFill>
+              </a:rPr>
+              <a:t>Untested </a:t>
+            </a:r>
+            <a:r>
+              <a:rPr lang="en-US" dirty="0">
+                <a:solidFill>
+                  <a:srgbClr val="FF0000"/>
+                </a:solidFill>
+              </a:rPr>
+              <a:t>model </a:t>
+            </a:r>
+            <a:r>
+              <a:rPr lang="en-US">
+                <a:solidFill>
+                  <a:srgbClr val="FF0000"/>
+                </a:solidFill>
+              </a:rPr>
+              <a:t>before change (original model, don’t keep 46 size)</a:t>
+            </a:r>
+            <a:endParaRPr lang="en-US" dirty="0">
+              <a:solidFill>
+                <a:srgbClr val="FF0000"/>
+              </a:solidFill>
+            </a:endParaRPr>
           </a:p>
           <a:p>
             <a:pPr lvl="1"/>
             <a:r>
-              <a:rPr lang="en-US" dirty="0"/>
+              <a:rPr lang="en-US">
+                <a:solidFill>
+                  <a:srgbClr val="FF0000"/>
+                </a:solidFill>
+              </a:rPr>
               <a:t>Accuracy ?</a:t>
             </a:r>
+            <a:endParaRPr lang="en-US" dirty="0">
+              <a:solidFill>
+                <a:srgbClr val="FF0000"/>
+              </a:solidFill>
+            </a:endParaRPr>
           </a:p>
           <a:p>
             <a:pPr lvl="1"/>
             <a:r>
-              <a:rPr lang="en-US" dirty="0">
+              <a:rPr lang="en-US" b="1">
+                <a:solidFill>
+                  <a:srgbClr val="FF0000"/>
+                </a:solidFill>
                 <a:highlight>
                   <a:srgbClr val="FFFF00"/>
                 </a:highlight>
               </a:rPr>
-              <a:t>46x1024x1 </a:t>
+              <a:t>46x1024x1</a:t>
             </a:r>
           </a:p>
           <a:p>
             <a:pPr lvl="1"/>
             <a:r>
-              <a:rPr lang="en-US" dirty="0">
+              <a:rPr lang="en-US">
+                <a:solidFill>
+                  <a:srgbClr val="FF0000"/>
+                </a:solidFill>
                 <a:highlight>
                   <a:srgbClr val="FFFF00"/>
                 </a:highlight>
               </a:rPr>
-              <a:t>46 x 1 x 1024 ?   </a:t>
+              <a:t>46 </a:t>
             </a:r>
             <a:r>
               <a:rPr lang="en-US" dirty="0">
+                <a:solidFill>
+                  <a:srgbClr val="FF0000"/>
+                </a:solidFill>
+                <a:highlight>
+                  <a:srgbClr val="FFFF00"/>
+                </a:highlight>
+              </a:rPr>
+              <a:t>x 1 x 1024 ?   </a:t>
+            </a:r>
+            <a:r>
+              <a:rPr lang="en-US" dirty="0">
+                <a:solidFill>
+                  <a:srgbClr val="FF0000"/>
+                </a:solidFill>
                 <a:highlight>
                   <a:srgbClr val="FFFF00"/>
                 </a:highlight>
@@ -5403,6 +5340,9 @@
               <a:t> 46x46 x 1024. (original model)  still reduce the size of image.</a:t>
             </a:r>
             <a:endParaRPr lang="en-US" dirty="0">
+              <a:solidFill>
+                <a:srgbClr val="FF0000"/>
+              </a:solidFill>
               <a:highlight>
                 <a:srgbClr val="FFFF00"/>
               </a:highlight>
@@ -5411,9 +5351,46 @@
           <a:p>
             <a:pPr lvl="1"/>
             <a:r>
-              <a:rPr lang="en-US" dirty="0"/>
-              <a:t>46 x Time x 1024?</a:t>
-            </a:r>
+              <a:rPr lang="en-US" dirty="0">
+                <a:solidFill>
+                  <a:srgbClr val="FF0000"/>
+                </a:solidFill>
+              </a:rPr>
+              <a:t>46 x Time x </a:t>
+            </a:r>
+            <a:r>
+              <a:rPr lang="en-US">
+                <a:solidFill>
+                  <a:srgbClr val="FF0000"/>
+                </a:solidFill>
+              </a:rPr>
+              <a:t>1024?</a:t>
+            </a:r>
+          </a:p>
+          <a:p>
+            <a:pPr lvl="1"/>
+            <a:r>
+              <a:rPr lang="en-US">
+                <a:solidFill>
+                  <a:srgbClr val="FF0000"/>
+                </a:solidFill>
+              </a:rPr>
+              <a:t>46 x 46 x 1024 </a:t>
+            </a:r>
+            <a:r>
+              <a:rPr lang="en-US">
+                <a:solidFill>
+                  <a:srgbClr val="FF0000"/>
+                </a:solidFill>
+                <a:sym typeface="Wingdings" panose="05000000000000000000" pitchFamily="2" charset="2"/>
+              </a:rPr>
+              <a:t> news email 6x (Too bad result on the right figure)</a:t>
+            </a:r>
+            <a:endParaRPr lang="en-US" dirty="0">
+              <a:solidFill>
+                <a:srgbClr val="FF0000"/>
+              </a:solidFill>
+            </a:endParaRPr>
           </a:p>
           <a:p>
             <a:pPr lvl="1"/>
@@ -5422,8 +5399,13 @@
           <a:p>
             <a:r>
               <a:rPr lang="en-US" dirty="0"/>
-              <a:t>Model After changes</a:t>
-            </a:r>
+              <a:t>Model </a:t>
+            </a:r>
+            <a:r>
+              <a:rPr lang="en-US"/>
+              <a:t>After changes (my customized)</a:t>
+            </a:r>
+            <a:endParaRPr lang="en-US" dirty="0"/>
           </a:p>
           <a:p>
             <a:pPr lvl="1"/>
@@ -5435,9 +5417,10 @@
           <a:p>
             <a:pPr lvl="1"/>
             <a:r>
-              <a:rPr lang="en-US" dirty="0"/>
+              <a:rPr lang="en-US"/>
               <a:t>46x1024x1</a:t>
             </a:r>
+            <a:endParaRPr lang="en-US" dirty="0"/>
           </a:p>
           <a:p>
             <a:pPr lvl="1"/>
@@ -5455,6 +5438,16 @@
           </a:p>
           <a:p>
             <a:pPr lvl="1"/>
+            <a:r>
+              <a:rPr lang="en-US"/>
+              <a:t>Try with size 32x32x46 </a:t>
+            </a:r>
+            <a:r>
+              <a:rPr lang="en-US">
+                <a:sym typeface="Wingdings" panose="05000000000000000000" pitchFamily="2" charset="2"/>
+              </a:rPr>
+              <a:t> run now (accuracy ??) only HuBERT</a:t>
+            </a:r>
             <a:endParaRPr lang="en-US" dirty="0"/>
           </a:p>
           <a:p>
@@ -5463,6 +5456,80 @@
           </a:p>
           <a:p>
             <a:endParaRPr lang="en-US" dirty="0"/>
+          </a:p>
+        </p:txBody>
+      </p:sp>
+      <p:pic>
+        <p:nvPicPr>
+          <p:cNvPr id="4" name="2D8BB45E-0D83-4B88-BA3B-5918F14B8B7F">
+            <a:extLst>
+              <a:ext uri="{FF2B5EF4-FFF2-40B4-BE49-F238E27FC236}">
+                <a16:creationId xmlns:a16="http://schemas.microsoft.com/office/drawing/2014/main" id="{2527374C-7688-CE4A-83D7-ABDF04A72AC8}"/>
+              </a:ext>
+            </a:extLst>
+          </p:cNvPr>
+          <p:cNvPicPr/>
+          <p:nvPr/>
+        </p:nvPicPr>
+        <p:blipFill>
+          <a:blip r:embed="rId2" r:link="rId3">
+            <a:extLst>
+              <a:ext uri="{28A0092B-C50C-407E-A947-70E740481C1C}">
+                <a14:useLocalDpi xmlns:a14="http://schemas.microsoft.com/office/drawing/2010/main" val="0"/>
+              </a:ext>
+            </a:extLst>
+          </a:blip>
+          <a:srcRect/>
+          <a:stretch>
+            <a:fillRect/>
+          </a:stretch>
+        </p:blipFill>
+        <p:spPr bwMode="auto">
+          <a:xfrm>
+            <a:off x="7559644" y="156897"/>
+            <a:ext cx="4508626" cy="3609346"/>
+          </a:xfrm>
+          <a:prstGeom prst="rect">
+            <a:avLst/>
+          </a:prstGeom>
+          <a:noFill/>
+          <a:ln>
+            <a:noFill/>
+          </a:ln>
+        </p:spPr>
+      </p:pic>
+      <p:sp>
+        <p:nvSpPr>
+          <p:cNvPr id="5" name="TextBox 4">
+            <a:extLst>
+              <a:ext uri="{FF2B5EF4-FFF2-40B4-BE49-F238E27FC236}">
+                <a16:creationId xmlns:a16="http://schemas.microsoft.com/office/drawing/2014/main" id="{AC8B9519-8002-FE59-1B6E-A86B5A5C8FC3}"/>
+              </a:ext>
+            </a:extLst>
+          </p:cNvPr>
+          <p:cNvSpPr txBox="1"/>
+          <p:nvPr/>
+        </p:nvSpPr>
+        <p:spPr>
+          <a:xfrm>
+            <a:off x="9083629" y="60956"/>
+            <a:ext cx="1460656" cy="400110"/>
+          </a:xfrm>
+          <a:prstGeom prst="rect">
+            <a:avLst/>
+          </a:prstGeom>
+          <a:noFill/>
+        </p:spPr>
+        <p:txBody>
+          <a:bodyPr wrap="none" rtlCol="0">
+            <a:spAutoFit/>
+          </a:bodyPr>
+          <a:lstStyle/>
+          <a:p>
+            <a:r>
+              <a:rPr lang="en-US" sz="2000" b="1"/>
+              <a:t>46x46x1024</a:t>
+            </a:r>
           </a:p>
         </p:txBody>
       </p:sp>
